--- a/projects/3_Stock Prediction NIVDIA.pptx
+++ b/projects/3_Stock Prediction NIVDIA.pptx
@@ -2483,7 +2483,7 @@
           </a:ln>
           <a:extLst>
             <a:ext uri="{C572A759-6A51-4108-AA02-DFA0A04FC94B}">
-              <ma14:wrappingTextBoxFlag xmlns:ma14="http://schemas.microsoft.com/office/mac/drawingml/2011/main" xmlns:a14="http://schemas.microsoft.com/office/drawing/2010/main" xmlns:m="http://schemas.openxmlformats.org/officeDocument/2006/math" xmlns="" val="1"/>
+              <ma14:wrappingTextBoxFlag xmlns="" xmlns:m="http://schemas.openxmlformats.org/officeDocument/2006/math" xmlns:a14="http://schemas.microsoft.com/office/drawing/2010/main" xmlns:ma14="http://schemas.microsoft.com/office/mac/drawingml/2011/main" val="1"/>
             </a:ext>
           </a:extLst>
         </p:spPr>
@@ -2525,7 +2525,7 @@
           </a:ln>
           <a:extLst>
             <a:ext uri="{C572A759-6A51-4108-AA02-DFA0A04FC94B}">
-              <ma14:wrappingTextBoxFlag xmlns:ma14="http://schemas.microsoft.com/office/mac/drawingml/2011/main" xmlns:a14="http://schemas.microsoft.com/office/drawing/2010/main" xmlns:m="http://schemas.openxmlformats.org/officeDocument/2006/math" xmlns="" val="1"/>
+              <ma14:wrappingTextBoxFlag xmlns="" xmlns:m="http://schemas.openxmlformats.org/officeDocument/2006/math" xmlns:a14="http://schemas.microsoft.com/office/drawing/2010/main" xmlns:ma14="http://schemas.microsoft.com/office/mac/drawingml/2011/main" val="1"/>
             </a:ext>
           </a:extLst>
         </p:spPr>
@@ -2582,7 +2582,7 @@
           </a:ln>
           <a:extLst>
             <a:ext uri="{C572A759-6A51-4108-AA02-DFA0A04FC94B}">
-              <ma14:wrappingTextBoxFlag xmlns:ma14="http://schemas.microsoft.com/office/mac/drawingml/2011/main" xmlns:a14="http://schemas.microsoft.com/office/drawing/2010/main" xmlns:m="http://schemas.openxmlformats.org/officeDocument/2006/math" xmlns="" val="1"/>
+              <ma14:wrappingTextBoxFlag xmlns="" xmlns:m="http://schemas.openxmlformats.org/officeDocument/2006/math" xmlns:a14="http://schemas.microsoft.com/office/drawing/2010/main" xmlns:ma14="http://schemas.microsoft.com/office/mac/drawingml/2011/main" val="1"/>
             </a:ext>
           </a:extLst>
         </p:spPr>
@@ -2657,7 +2657,7 @@
           </a:ln>
           <a:extLst>
             <a:ext uri="{C572A759-6A51-4108-AA02-DFA0A04FC94B}">
-              <ma14:wrappingTextBoxFlag xmlns:ma14="http://schemas.microsoft.com/office/mac/drawingml/2011/main" xmlns:a14="http://schemas.microsoft.com/office/drawing/2010/main" xmlns:m="http://schemas.openxmlformats.org/officeDocument/2006/math" xmlns="" val="1"/>
+              <ma14:wrappingTextBoxFlag xmlns="" xmlns:m="http://schemas.openxmlformats.org/officeDocument/2006/math" xmlns:a14="http://schemas.microsoft.com/office/drawing/2010/main" xmlns:ma14="http://schemas.microsoft.com/office/mac/drawingml/2011/main" val="1"/>
             </a:ext>
           </a:extLst>
         </p:spPr>
@@ -2696,7 +2696,7 @@
           </a:ln>
           <a:extLst>
             <a:ext uri="{C572A759-6A51-4108-AA02-DFA0A04FC94B}">
-              <ma14:wrappingTextBoxFlag xmlns:ma14="http://schemas.microsoft.com/office/mac/drawingml/2011/main" xmlns:a14="http://schemas.microsoft.com/office/drawing/2010/main" xmlns:m="http://schemas.openxmlformats.org/officeDocument/2006/math" xmlns="" val="1"/>
+              <ma14:wrappingTextBoxFlag xmlns="" xmlns:m="http://schemas.openxmlformats.org/officeDocument/2006/math" xmlns:a14="http://schemas.microsoft.com/office/drawing/2010/main" xmlns:ma14="http://schemas.microsoft.com/office/mac/drawingml/2011/main" val="1"/>
             </a:ext>
           </a:extLst>
         </p:spPr>
@@ -3571,7 +3571,7 @@
           </a:ln>
           <a:extLst>
             <a:ext uri="{C572A759-6A51-4108-AA02-DFA0A04FC94B}">
-              <ma14:wrappingTextBoxFlag xmlns:ma14="http://schemas.microsoft.com/office/mac/drawingml/2011/main" xmlns:a14="http://schemas.microsoft.com/office/drawing/2010/main" xmlns:m="http://schemas.openxmlformats.org/officeDocument/2006/math" xmlns="" val="1"/>
+              <ma14:wrappingTextBoxFlag xmlns="" xmlns:m="http://schemas.openxmlformats.org/officeDocument/2006/math" xmlns:a14="http://schemas.microsoft.com/office/drawing/2010/main" xmlns:ma14="http://schemas.microsoft.com/office/mac/drawingml/2011/main" val="1"/>
             </a:ext>
           </a:extLst>
         </p:spPr>
@@ -3847,7 +3847,7 @@
           </a:prstGeom>
           <a:extLst>
             <a:ext uri="{C572A759-6A51-4108-AA02-DFA0A04FC94B}">
-              <ma14:wrappingTextBoxFlag xmlns:ma14="http://schemas.microsoft.com/office/mac/drawingml/2011/main" xmlns:a14="http://schemas.microsoft.com/office/drawing/2010/main" xmlns:m="http://schemas.openxmlformats.org/officeDocument/2006/math" xmlns="" val="1"/>
+              <ma14:wrappingTextBoxFlag xmlns="" xmlns:m="http://schemas.openxmlformats.org/officeDocument/2006/math" xmlns:a14="http://schemas.microsoft.com/office/drawing/2010/main" xmlns:ma14="http://schemas.microsoft.com/office/mac/drawingml/2011/main" val="1"/>
             </a:ext>
           </a:extLst>
         </p:spPr>
@@ -4370,7 +4370,7 @@
           </a:prstGeom>
           <a:extLst>
             <a:ext uri="{C572A759-6A51-4108-AA02-DFA0A04FC94B}">
-              <ma14:wrappingTextBoxFlag xmlns:ma14="http://schemas.microsoft.com/office/mac/drawingml/2011/main" xmlns:a14="http://schemas.microsoft.com/office/drawing/2010/main" xmlns:m="http://schemas.openxmlformats.org/officeDocument/2006/math" xmlns="" val="1"/>
+              <ma14:wrappingTextBoxFlag xmlns="" xmlns:m="http://schemas.openxmlformats.org/officeDocument/2006/math" xmlns:a14="http://schemas.microsoft.com/office/drawing/2010/main" xmlns:ma14="http://schemas.microsoft.com/office/mac/drawingml/2011/main" val="1"/>
             </a:ext>
           </a:extLst>
         </p:spPr>
@@ -4666,7 +4666,7 @@
           </a:ln>
           <a:extLst>
             <a:ext uri="{C572A759-6A51-4108-AA02-DFA0A04FC94B}">
-              <ma14:wrappingTextBoxFlag xmlns:ma14="http://schemas.microsoft.com/office/mac/drawingml/2011/main" xmlns:a14="http://schemas.microsoft.com/office/drawing/2010/main" xmlns:m="http://schemas.openxmlformats.org/officeDocument/2006/math" xmlns="" val="1"/>
+              <ma14:wrappingTextBoxFlag xmlns="" xmlns:m="http://schemas.openxmlformats.org/officeDocument/2006/math" xmlns:a14="http://schemas.microsoft.com/office/drawing/2010/main" xmlns:ma14="http://schemas.microsoft.com/office/mac/drawingml/2011/main" val="1"/>
             </a:ext>
           </a:extLst>
         </p:spPr>
@@ -4947,7 +4947,7 @@
           </a:prstGeom>
           <a:extLst>
             <a:ext uri="{C572A759-6A51-4108-AA02-DFA0A04FC94B}">
-              <ma14:wrappingTextBoxFlag xmlns:ma14="http://schemas.microsoft.com/office/mac/drawingml/2011/main" xmlns:a14="http://schemas.microsoft.com/office/drawing/2010/main" xmlns:m="http://schemas.openxmlformats.org/officeDocument/2006/math" xmlns="" val="1"/>
+              <ma14:wrappingTextBoxFlag xmlns="" xmlns:m="http://schemas.openxmlformats.org/officeDocument/2006/math" xmlns:a14="http://schemas.microsoft.com/office/drawing/2010/main" xmlns:ma14="http://schemas.microsoft.com/office/mac/drawingml/2011/main" val="1"/>
             </a:ext>
           </a:extLst>
         </p:spPr>
@@ -5011,7 +5011,7 @@
           </a:prstGeom>
           <a:extLst>
             <a:ext uri="{C572A759-6A51-4108-AA02-DFA0A04FC94B}">
-              <ma14:wrappingTextBoxFlag xmlns:ma14="http://schemas.microsoft.com/office/mac/drawingml/2011/main" xmlns:a14="http://schemas.microsoft.com/office/drawing/2010/main" xmlns:m="http://schemas.openxmlformats.org/officeDocument/2006/math" xmlns="" val="1"/>
+              <ma14:wrappingTextBoxFlag xmlns="" xmlns:m="http://schemas.openxmlformats.org/officeDocument/2006/math" xmlns:a14="http://schemas.microsoft.com/office/drawing/2010/main" xmlns:ma14="http://schemas.microsoft.com/office/mac/drawingml/2011/main" val="1"/>
             </a:ext>
           </a:extLst>
         </p:spPr>
@@ -5237,7 +5237,7 @@
           </a:prstGeom>
           <a:extLst>
             <a:ext uri="{C572A759-6A51-4108-AA02-DFA0A04FC94B}">
-              <ma14:wrappingTextBoxFlag xmlns:ma14="http://schemas.microsoft.com/office/mac/drawingml/2011/main" xmlns:a14="http://schemas.microsoft.com/office/drawing/2010/main" xmlns:m="http://schemas.openxmlformats.org/officeDocument/2006/math" xmlns="" val="1"/>
+              <ma14:wrappingTextBoxFlag xmlns="" xmlns:m="http://schemas.openxmlformats.org/officeDocument/2006/math" xmlns:a14="http://schemas.microsoft.com/office/drawing/2010/main" xmlns:ma14="http://schemas.microsoft.com/office/mac/drawingml/2011/main" val="1"/>
             </a:ext>
           </a:extLst>
         </p:spPr>
@@ -5303,7 +5303,7 @@
           </a:prstGeom>
           <a:extLst>
             <a:ext uri="{C572A759-6A51-4108-AA02-DFA0A04FC94B}">
-              <ma14:wrappingTextBoxFlag xmlns:ma14="http://schemas.microsoft.com/office/mac/drawingml/2011/main" xmlns:a14="http://schemas.microsoft.com/office/drawing/2010/main" xmlns:m="http://schemas.openxmlformats.org/officeDocument/2006/math" xmlns="" val="1"/>
+              <ma14:wrappingTextBoxFlag xmlns="" xmlns:m="http://schemas.openxmlformats.org/officeDocument/2006/math" xmlns:a14="http://schemas.microsoft.com/office/drawing/2010/main" xmlns:ma14="http://schemas.microsoft.com/office/mac/drawingml/2011/main" val="1"/>
             </a:ext>
           </a:extLst>
         </p:spPr>
@@ -5554,7 +5554,7 @@
           </a:prstGeom>
           <a:extLst>
             <a:ext uri="{C572A759-6A51-4108-AA02-DFA0A04FC94B}">
-              <ma14:wrappingTextBoxFlag xmlns:ma14="http://schemas.microsoft.com/office/mac/drawingml/2011/main" xmlns:a14="http://schemas.microsoft.com/office/drawing/2010/main" xmlns:m="http://schemas.openxmlformats.org/officeDocument/2006/math" xmlns="" val="1"/>
+              <ma14:wrappingTextBoxFlag xmlns="" xmlns:m="http://schemas.openxmlformats.org/officeDocument/2006/math" xmlns:a14="http://schemas.microsoft.com/office/drawing/2010/main" xmlns:ma14="http://schemas.microsoft.com/office/mac/drawingml/2011/main" val="1"/>
             </a:ext>
           </a:extLst>
         </p:spPr>
@@ -5620,7 +5620,7 @@
           </a:prstGeom>
           <a:extLst>
             <a:ext uri="{C572A759-6A51-4108-AA02-DFA0A04FC94B}">
-              <ma14:wrappingTextBoxFlag xmlns:ma14="http://schemas.microsoft.com/office/mac/drawingml/2011/main" xmlns:a14="http://schemas.microsoft.com/office/drawing/2010/main" xmlns:m="http://schemas.openxmlformats.org/officeDocument/2006/math" xmlns="" val="1"/>
+              <ma14:wrappingTextBoxFlag xmlns="" xmlns:m="http://schemas.openxmlformats.org/officeDocument/2006/math" xmlns:a14="http://schemas.microsoft.com/office/drawing/2010/main" xmlns:ma14="http://schemas.microsoft.com/office/mac/drawingml/2011/main" val="1"/>
             </a:ext>
           </a:extLst>
         </p:spPr>
@@ -5811,7 +5811,7 @@
           </a:prstGeom>
           <a:extLst>
             <a:ext uri="{C572A759-6A51-4108-AA02-DFA0A04FC94B}">
-              <ma14:wrappingTextBoxFlag xmlns:ma14="http://schemas.microsoft.com/office/mac/drawingml/2011/main" xmlns:a14="http://schemas.microsoft.com/office/drawing/2010/main" xmlns:m="http://schemas.openxmlformats.org/officeDocument/2006/math" xmlns="" val="1"/>
+              <ma14:wrappingTextBoxFlag xmlns="" xmlns:m="http://schemas.openxmlformats.org/officeDocument/2006/math" xmlns:a14="http://schemas.microsoft.com/office/drawing/2010/main" xmlns:ma14="http://schemas.microsoft.com/office/mac/drawingml/2011/main" val="1"/>
             </a:ext>
           </a:extLst>
         </p:spPr>
@@ -5877,7 +5877,7 @@
           </a:prstGeom>
           <a:extLst>
             <a:ext uri="{C572A759-6A51-4108-AA02-DFA0A04FC94B}">
-              <ma14:wrappingTextBoxFlag xmlns:ma14="http://schemas.microsoft.com/office/mac/drawingml/2011/main" xmlns:a14="http://schemas.microsoft.com/office/drawing/2010/main" xmlns:m="http://schemas.openxmlformats.org/officeDocument/2006/math" xmlns="" val="1"/>
+              <ma14:wrappingTextBoxFlag xmlns="" xmlns:m="http://schemas.openxmlformats.org/officeDocument/2006/math" xmlns:a14="http://schemas.microsoft.com/office/drawing/2010/main" xmlns:ma14="http://schemas.microsoft.com/office/mac/drawingml/2011/main" val="1"/>
             </a:ext>
           </a:extLst>
         </p:spPr>
@@ -6086,7 +6086,7 @@
           </a:prstGeom>
           <a:extLst>
             <a:ext uri="{C572A759-6A51-4108-AA02-DFA0A04FC94B}">
-              <ma14:wrappingTextBoxFlag xmlns:ma14="http://schemas.microsoft.com/office/mac/drawingml/2011/main" xmlns:a14="http://schemas.microsoft.com/office/drawing/2010/main" xmlns:m="http://schemas.openxmlformats.org/officeDocument/2006/math" xmlns="" val="1"/>
+              <ma14:wrappingTextBoxFlag xmlns="" xmlns:m="http://schemas.openxmlformats.org/officeDocument/2006/math" xmlns:a14="http://schemas.microsoft.com/office/drawing/2010/main" xmlns:ma14="http://schemas.microsoft.com/office/mac/drawingml/2011/main" val="1"/>
             </a:ext>
           </a:extLst>
         </p:spPr>
@@ -6152,7 +6152,7 @@
           </a:prstGeom>
           <a:extLst>
             <a:ext uri="{C572A759-6A51-4108-AA02-DFA0A04FC94B}">
-              <ma14:wrappingTextBoxFlag xmlns:ma14="http://schemas.microsoft.com/office/mac/drawingml/2011/main" xmlns:a14="http://schemas.microsoft.com/office/drawing/2010/main" xmlns:m="http://schemas.openxmlformats.org/officeDocument/2006/math" xmlns="" val="1"/>
+              <ma14:wrappingTextBoxFlag xmlns="" xmlns:m="http://schemas.openxmlformats.org/officeDocument/2006/math" xmlns:a14="http://schemas.microsoft.com/office/drawing/2010/main" xmlns:ma14="http://schemas.microsoft.com/office/mac/drawingml/2011/main" val="1"/>
             </a:ext>
           </a:extLst>
         </p:spPr>
@@ -6295,7 +6295,7 @@
           </a:prstGeom>
           <a:extLst>
             <a:ext uri="{C572A759-6A51-4108-AA02-DFA0A04FC94B}">
-              <ma14:wrappingTextBoxFlag xmlns:ma14="http://schemas.microsoft.com/office/mac/drawingml/2011/main" xmlns:a14="http://schemas.microsoft.com/office/drawing/2010/main" xmlns:m="http://schemas.openxmlformats.org/officeDocument/2006/math" xmlns="" val="1"/>
+              <ma14:wrappingTextBoxFlag xmlns="" xmlns:m="http://schemas.openxmlformats.org/officeDocument/2006/math" xmlns:a14="http://schemas.microsoft.com/office/drawing/2010/main" xmlns:ma14="http://schemas.microsoft.com/office/mac/drawingml/2011/main" val="1"/>
             </a:ext>
           </a:extLst>
         </p:spPr>
@@ -6436,7 +6436,7 @@
           </a:prstGeom>
           <a:extLst>
             <a:ext uri="{C572A759-6A51-4108-AA02-DFA0A04FC94B}">
-              <ma14:wrappingTextBoxFlag xmlns:ma14="http://schemas.microsoft.com/office/mac/drawingml/2011/main" xmlns:a14="http://schemas.microsoft.com/office/drawing/2010/main" xmlns:m="http://schemas.openxmlformats.org/officeDocument/2006/math" xmlns="" val="1"/>
+              <ma14:wrappingTextBoxFlag xmlns="" xmlns:m="http://schemas.openxmlformats.org/officeDocument/2006/math" xmlns:a14="http://schemas.microsoft.com/office/drawing/2010/main" xmlns:ma14="http://schemas.microsoft.com/office/mac/drawingml/2011/main" val="1"/>
             </a:ext>
           </a:extLst>
         </p:spPr>
@@ -6577,7 +6577,7 @@
           </a:prstGeom>
           <a:extLst>
             <a:ext uri="{C572A759-6A51-4108-AA02-DFA0A04FC94B}">
-              <ma14:wrappingTextBoxFlag xmlns:ma14="http://schemas.microsoft.com/office/mac/drawingml/2011/main" xmlns:a14="http://schemas.microsoft.com/office/drawing/2010/main" xmlns:m="http://schemas.openxmlformats.org/officeDocument/2006/math" xmlns="" val="1"/>
+              <ma14:wrappingTextBoxFlag xmlns="" xmlns:m="http://schemas.openxmlformats.org/officeDocument/2006/math" xmlns:a14="http://schemas.microsoft.com/office/drawing/2010/main" xmlns:ma14="http://schemas.microsoft.com/office/mac/drawingml/2011/main" val="1"/>
             </a:ext>
           </a:extLst>
         </p:spPr>
@@ -6668,7 +6668,7 @@
           </a:prstGeom>
           <a:extLst>
             <a:ext uri="{C572A759-6A51-4108-AA02-DFA0A04FC94B}">
-              <ma14:wrappingTextBoxFlag xmlns:ma14="http://schemas.microsoft.com/office/mac/drawingml/2011/main" xmlns:a14="http://schemas.microsoft.com/office/drawing/2010/main" xmlns:m="http://schemas.openxmlformats.org/officeDocument/2006/math" xmlns="" val="1"/>
+              <ma14:wrappingTextBoxFlag xmlns="" xmlns:m="http://schemas.openxmlformats.org/officeDocument/2006/math" xmlns:a14="http://schemas.microsoft.com/office/drawing/2010/main" xmlns:ma14="http://schemas.microsoft.com/office/mac/drawingml/2011/main" val="1"/>
             </a:ext>
           </a:extLst>
         </p:spPr>
